--- a/Lectures/Week_4/CSE 599V Lecture 10 - Cross Validation and Bootstrapping .pptx
+++ b/Lectures/Week_4/CSE 599V Lecture 10 - Cross Validation and Bootstrapping .pptx
@@ -295,7 +295,7 @@
               <a:pPr>
                 <a:defRPr/>
               </a:pPr>
-              <a:t>10/25/18</a:t>
+              <a:t>10/26/18</a:t>
             </a:fld>
             <a:endParaRPr lang="en-US" altLang="x-none"/>
           </a:p>
@@ -504,7 +504,7 @@
               <a:pPr>
                 <a:defRPr/>
               </a:pPr>
-              <a:t>10/25/18</a:t>
+              <a:t>10/26/18</a:t>
             </a:fld>
             <a:endParaRPr lang="en-US" altLang="x-none"/>
           </a:p>
@@ -6170,8 +6170,19 @@
                 <a:latin typeface="Courier New" panose="02070309020205020404" pitchFamily="49" charset="0"/>
                 <a:cs typeface="Courier New" panose="02070309020205020404" pitchFamily="49" charset="0"/>
               </a:rPr>
-              <a:t>(0, length)</a:t>
-            </a:r>
+              <a:t>(0, length</a:t>
+            </a:r>
+            <a:r>
+              <a:rPr lang="en-US" sz="2000">
+                <a:latin typeface="Courier New" panose="02070309020205020404" pitchFamily="49" charset="0"/>
+                <a:cs typeface="Courier New" panose="02070309020205020404" pitchFamily="49" charset="0"/>
+              </a:rPr>
+              <a:t>, length)</a:t>
+            </a:r>
+            <a:endParaRPr lang="en-US" sz="2000" dirty="0">
+              <a:latin typeface="Courier New" panose="02070309020205020404" pitchFamily="49" charset="0"/>
+              <a:cs typeface="Courier New" panose="02070309020205020404" pitchFamily="49" charset="0"/>
+            </a:endParaRPr>
           </a:p>
           <a:p>
             <a:pPr marL="0" indent="0">
